--- a/Office_progress_report.pptx
+++ b/Office_progress_report.pptx
@@ -14922,14 +14922,14 @@
           <p:nvPr>
             <p:extLst>
               <p:ext uri="{D42A27DB-BD31-4B8C-83A1-F6EECF244321}">
-                <p14:modId xmlns:p14="http://schemas.microsoft.com/office/powerpoint/2010/main" val="2722520995"/>
+                <p14:modId xmlns:p14="http://schemas.microsoft.com/office/powerpoint/2010/main" val="1189628567"/>
               </p:ext>
             </p:extLst>
           </p:nvPr>
         </p:nvGraphicFramePr>
         <p:xfrm>
-          <a:off x="648888" y="828438"/>
-          <a:ext cx="7846225" cy="3872425"/>
+          <a:off x="648887" y="528938"/>
+          <a:ext cx="7846225" cy="4085623"/>
         </p:xfrm>
         <a:graphic>
           <a:graphicData uri="http://schemas.openxmlformats.org/drawingml/2006/table">
@@ -15193,10 +15193,10 @@
                         <a:buNone/>
                       </a:pPr>
                       <a:r>
-                        <a:rPr lang="en"/>
+                        <a:rPr lang="en" dirty="0"/>
                         <a:t>Work done.</a:t>
                       </a:r>
-                      <a:endParaRPr/>
+                      <a:endParaRPr dirty="0"/>
                     </a:p>
                     <a:p>
                       <a:pPr marL="0" lvl="0" indent="0" algn="l" rtl="0">
@@ -15209,26 +15209,10 @@
                         <a:buNone/>
                       </a:pPr>
                       <a:r>
-                        <a:rPr lang="en"/>
-                        <a:t>File share with Salman</a:t>
+                        <a:rPr lang="en" dirty="0"/>
+                        <a:t>File share with Salman brother.</a:t>
                       </a:r>
-                      <a:endParaRPr/>
-                    </a:p>
-                    <a:p>
-                      <a:pPr marL="0" lvl="0" indent="0" algn="l" rtl="0">
-                        <a:spcBef>
-                          <a:spcPts val="0"/>
-                        </a:spcBef>
-                        <a:spcAft>
-                          <a:spcPts val="0"/>
-                        </a:spcAft>
-                        <a:buNone/>
-                      </a:pPr>
-                      <a:r>
-                        <a:rPr lang="en"/>
-                        <a:t>brother.</a:t>
-                      </a:r>
-                      <a:endParaRPr/>
+                      <a:endParaRPr dirty="0"/>
                     </a:p>
                   </a:txBody>
                   <a:tcPr marL="91425" marR="91425" marT="91425" marB="91425"/>
@@ -15374,37 +15358,6 @@
                         <a:t>Work done.</a:t>
                       </a:r>
                     </a:p>
-                    <a:p>
-                      <a:pPr marL="0" lvl="0" indent="0" algn="l" rtl="0">
-                        <a:spcBef>
-                          <a:spcPts val="0"/>
-                        </a:spcBef>
-                        <a:spcAft>
-                          <a:spcPts val="0"/>
-                        </a:spcAft>
-                        <a:buNone/>
-                      </a:pPr>
-                      <a:r>
-                        <a:rPr lang="en-US" dirty="0"/>
-                        <a:t>File share with Salman</a:t>
-                      </a:r>
-                    </a:p>
-                    <a:p>
-                      <a:pPr marL="0" lvl="0" indent="0" algn="l" rtl="0">
-                        <a:spcBef>
-                          <a:spcPts val="0"/>
-                        </a:spcBef>
-                        <a:spcAft>
-                          <a:spcPts val="0"/>
-                        </a:spcAft>
-                        <a:buNone/>
-                      </a:pPr>
-                      <a:r>
-                        <a:rPr lang="en-US" dirty="0"/>
-                        <a:t>Brother.</a:t>
-                      </a:r>
-                      <a:endParaRPr dirty="0"/>
-                    </a:p>
                   </a:txBody>
                   <a:tcPr marL="91425" marR="91425" marT="91425" marB="91425"/>
                 </a:tc>
@@ -15452,7 +15405,11 @@
                         </a:spcAft>
                         <a:buNone/>
                       </a:pPr>
-                      <a:endParaRPr/>
+                      <a:r>
+                        <a:rPr lang="en-US" dirty="0"/>
+                        <a:t>1.Design Tex(8 files)</a:t>
+                      </a:r>
+                      <a:endParaRPr dirty="0"/>
                     </a:p>
                   </a:txBody>
                   <a:tcPr marL="91425" marR="91425" marT="91425" marB="91425"/>
@@ -15471,7 +15428,11 @@
                         </a:spcAft>
                         <a:buNone/>
                       </a:pPr>
-                      <a:endParaRPr/>
+                      <a:r>
+                        <a:rPr lang="en-US" dirty="0"/>
+                        <a:t>10-10-2023</a:t>
+                      </a:r>
+                      <a:endParaRPr dirty="0"/>
                     </a:p>
                   </a:txBody>
                   <a:tcPr marL="91425" marR="91425" marT="91425" marB="91425"/>
@@ -15490,7 +15451,11 @@
                         </a:spcAft>
                         <a:buNone/>
                       </a:pPr>
-                      <a:endParaRPr/>
+                      <a:r>
+                        <a:rPr lang="en-US" dirty="0"/>
+                        <a:t>Work done. </a:t>
+                      </a:r>
+                      <a:endParaRPr dirty="0"/>
                     </a:p>
                   </a:txBody>
                   <a:tcPr marL="91425" marR="91425" marT="91425" marB="91425"/>
@@ -15509,7 +15474,11 @@
                         </a:spcAft>
                         <a:buNone/>
                       </a:pPr>
-                      <a:endParaRPr/>
+                      <a:r>
+                        <a:rPr lang="en-US" dirty="0"/>
+                        <a:t>1.LGZ feeder(5 files)</a:t>
+                      </a:r>
+                      <a:endParaRPr dirty="0"/>
                     </a:p>
                   </a:txBody>
                   <a:tcPr marL="91425" marR="91425" marT="91425" marB="91425"/>
@@ -15520,7 +15489,7 @@
                   </a:ext>
                 </a:extLst>
               </a:tr>
-              <a:tr h="476450">
+              <a:tr h="689648">
                 <a:tc>
                   <a:txBody>
                     <a:bodyPr/>
@@ -15535,7 +15504,11 @@
                         </a:spcAft>
                         <a:buNone/>
                       </a:pPr>
-                      <a:endParaRPr/>
+                      <a:r>
+                        <a:rPr lang="en-US" dirty="0"/>
+                        <a:t>1. LGZ feeder(5 files)</a:t>
+                      </a:r>
+                      <a:endParaRPr dirty="0"/>
                     </a:p>
                   </a:txBody>
                   <a:tcPr marL="91425" marR="91425" marT="91425" marB="91425"/>
@@ -15554,7 +15527,11 @@
                         </a:spcAft>
                         <a:buNone/>
                       </a:pPr>
-                      <a:endParaRPr/>
+                      <a:r>
+                        <a:rPr lang="en-US" dirty="0"/>
+                        <a:t>11-10-23</a:t>
+                      </a:r>
+                      <a:endParaRPr dirty="0"/>
                     </a:p>
                   </a:txBody>
                   <a:tcPr marL="91425" marR="91425" marT="91425" marB="91425"/>
@@ -15573,7 +15550,11 @@
                         </a:spcAft>
                         <a:buNone/>
                       </a:pPr>
-                      <a:endParaRPr/>
+                      <a:r>
+                        <a:rPr lang="en-US" dirty="0"/>
+                        <a:t>Work done.</a:t>
+                      </a:r>
+                      <a:endParaRPr dirty="0"/>
                     </a:p>
                   </a:txBody>
                   <a:tcPr marL="91425" marR="91425" marT="91425" marB="91425"/>
@@ -15592,6 +15573,14 @@
                         </a:spcAft>
                         <a:buNone/>
                       </a:pPr>
+                      <a:r>
+                        <a:rPr lang="en-US" dirty="0"/>
+                        <a:t>No advance work due home </a:t>
+                      </a:r>
+                      <a:r>
+                        <a:rPr lang="en-US"/>
+                        <a:t>office today.</a:t>
+                      </a:r>
                       <a:endParaRPr dirty="0"/>
                     </a:p>
                   </a:txBody>

--- a/Office_progress_report.pptx
+++ b/Office_progress_report.pptx
@@ -5,26 +5,27 @@
     <p:sldMasterId id="2147483659" r:id="rId1"/>
   </p:sldMasterIdLst>
   <p:notesMasterIdLst>
-    <p:notesMasterId r:id="rId4"/>
+    <p:notesMasterId r:id="rId5"/>
   </p:notesMasterIdLst>
   <p:sldIdLst>
     <p:sldId id="256" r:id="rId2"/>
     <p:sldId id="257" r:id="rId3"/>
+    <p:sldId id="259" r:id="rId4"/>
   </p:sldIdLst>
   <p:sldSz cx="9144000" cy="5143500" type="screen16x9"/>
   <p:notesSz cx="6858000" cy="9144000"/>
   <p:embeddedFontLst>
     <p:embeddedFont>
       <p:font typeface="Maven Pro" panose="020B0604020202020204" charset="0"/>
-      <p:regular r:id="rId5"/>
-      <p:bold r:id="rId6"/>
+      <p:regular r:id="rId6"/>
+      <p:bold r:id="rId7"/>
     </p:embeddedFont>
     <p:embeddedFont>
       <p:font typeface="Nunito" pitchFamily="2" charset="0"/>
-      <p:regular r:id="rId7"/>
-      <p:bold r:id="rId8"/>
-      <p:italic r:id="rId9"/>
-      <p:boldItalic r:id="rId10"/>
+      <p:regular r:id="rId8"/>
+      <p:bold r:id="rId9"/>
+      <p:italic r:id="rId10"/>
+      <p:boldItalic r:id="rId11"/>
     </p:embeddedFont>
   </p:embeddedFontLst>
   <p:defaultTextStyle>
@@ -917,6 +918,115 @@
         </p:txBody>
       </p:sp>
     </p:spTree>
+  </p:cSld>
+  <p:clrMapOvr>
+    <a:masterClrMapping/>
+  </p:clrMapOvr>
+</p:notes>
+</file>
+
+<file path=ppt/notesSlides/notesSlide3.xml><?xml version="1.0" encoding="utf-8"?>
+<p:notes xmlns:a="http://schemas.openxmlformats.org/drawingml/2006/main" xmlns:r="http://schemas.openxmlformats.org/officeDocument/2006/relationships" xmlns:p="http://schemas.openxmlformats.org/presentationml/2006/main" showMasterSp="0" showMasterPhAnim="0">
+  <p:cSld>
+    <p:spTree>
+      <p:nvGrpSpPr>
+        <p:cNvPr id="1" name="Shape 279"/>
+        <p:cNvGrpSpPr/>
+        <p:nvPr/>
+      </p:nvGrpSpPr>
+      <p:grpSpPr>
+        <a:xfrm>
+          <a:off x="0" y="0"/>
+          <a:ext cx="0" cy="0"/>
+          <a:chOff x="0" y="0"/>
+          <a:chExt cx="0" cy="0"/>
+        </a:xfrm>
+      </p:grpSpPr>
+      <p:sp>
+        <p:nvSpPr>
+          <p:cNvPr id="280" name="Google Shape;280;g24c6537b18f_0_268:notes"/>
+          <p:cNvSpPr>
+            <a:spLocks noGrp="1" noRot="1" noChangeAspect="1"/>
+          </p:cNvSpPr>
+          <p:nvPr>
+            <p:ph type="sldImg" idx="2"/>
+          </p:nvPr>
+        </p:nvSpPr>
+        <p:spPr>
+          <a:xfrm>
+            <a:off x="381000" y="685800"/>
+            <a:ext cx="6096000" cy="3429000"/>
+          </a:xfrm>
+          <a:custGeom>
+            <a:avLst/>
+            <a:gdLst/>
+            <a:ahLst/>
+            <a:cxnLst/>
+            <a:rect l="l" t="t" r="r" b="b"/>
+            <a:pathLst>
+              <a:path w="120000" h="120000" extrusionOk="0">
+                <a:moveTo>
+                  <a:pt x="0" y="0"/>
+                </a:moveTo>
+                <a:lnTo>
+                  <a:pt x="120000" y="0"/>
+                </a:lnTo>
+                <a:lnTo>
+                  <a:pt x="120000" y="120000"/>
+                </a:lnTo>
+                <a:lnTo>
+                  <a:pt x="0" y="120000"/>
+                </a:lnTo>
+                <a:close/>
+              </a:path>
+            </a:pathLst>
+          </a:custGeom>
+        </p:spPr>
+      </p:sp>
+      <p:sp>
+        <p:nvSpPr>
+          <p:cNvPr id="281" name="Google Shape;281;g24c6537b18f_0_268:notes"/>
+          <p:cNvSpPr txBox="1">
+            <a:spLocks noGrp="1"/>
+          </p:cNvSpPr>
+          <p:nvPr>
+            <p:ph type="body" idx="1"/>
+          </p:nvPr>
+        </p:nvSpPr>
+        <p:spPr>
+          <a:xfrm>
+            <a:off x="685800" y="4343400"/>
+            <a:ext cx="5486400" cy="4114800"/>
+          </a:xfrm>
+          <a:prstGeom prst="rect">
+            <a:avLst/>
+          </a:prstGeom>
+        </p:spPr>
+        <p:txBody>
+          <a:bodyPr spcFirstLastPara="1" wrap="square" lIns="91425" tIns="91425" rIns="91425" bIns="91425" anchor="t" anchorCtr="0">
+            <a:noAutofit/>
+          </a:bodyPr>
+          <a:lstStyle/>
+          <a:p>
+            <a:pPr marL="0" lvl="0" indent="0" algn="l" rtl="0">
+              <a:spcBef>
+                <a:spcPts val="0"/>
+              </a:spcBef>
+              <a:spcAft>
+                <a:spcPts val="0"/>
+              </a:spcAft>
+              <a:buNone/>
+            </a:pPr>
+            <a:endParaRPr/>
+          </a:p>
+        </p:txBody>
+      </p:sp>
+    </p:spTree>
+    <p:extLst>
+      <p:ext uri="{BB962C8B-B14F-4D97-AF65-F5344CB8AC3E}">
+        <p14:creationId xmlns:p14="http://schemas.microsoft.com/office/powerpoint/2010/main" val="1606471536"/>
+      </p:ext>
+    </p:extLst>
   </p:cSld>
   <p:clrMapOvr>
     <a:masterClrMapping/>
@@ -15575,11 +15685,7 @@
                       </a:pPr>
                       <a:r>
                         <a:rPr lang="en-US" dirty="0"/>
-                        <a:t>No advance work due home </a:t>
-                      </a:r>
-                      <a:r>
-                        <a:rPr lang="en-US"/>
-                        <a:t>office today.</a:t>
+                        <a:t>No advance work due home office today.</a:t>
                       </a:r>
                       <a:endParaRPr dirty="0"/>
                     </a:p>
@@ -15597,6 +15703,567 @@
         </a:graphic>
       </p:graphicFrame>
     </p:spTree>
+  </p:cSld>
+  <p:clrMapOvr>
+    <a:masterClrMapping/>
+  </p:clrMapOvr>
+</p:sld>
+</file>
+
+<file path=ppt/slides/slide3.xml><?xml version="1.0" encoding="utf-8"?>
+<p:sld xmlns:a="http://schemas.openxmlformats.org/drawingml/2006/main" xmlns:r="http://schemas.openxmlformats.org/officeDocument/2006/relationships" xmlns:p="http://schemas.openxmlformats.org/presentationml/2006/main">
+  <p:cSld>
+    <p:spTree>
+      <p:nvGrpSpPr>
+        <p:cNvPr id="1" name="Shape 282"/>
+        <p:cNvGrpSpPr/>
+        <p:nvPr/>
+      </p:nvGrpSpPr>
+      <p:grpSpPr>
+        <a:xfrm>
+          <a:off x="0" y="0"/>
+          <a:ext cx="0" cy="0"/>
+          <a:chOff x="0" y="0"/>
+          <a:chExt cx="0" cy="0"/>
+        </a:xfrm>
+      </p:grpSpPr>
+      <p:graphicFrame>
+        <p:nvGraphicFramePr>
+          <p:cNvPr id="283" name="Google Shape;283;p14"/>
+          <p:cNvGraphicFramePr/>
+          <p:nvPr>
+            <p:extLst>
+              <p:ext uri="{D42A27DB-BD31-4B8C-83A1-F6EECF244321}">
+                <p14:modId xmlns:p14="http://schemas.microsoft.com/office/powerpoint/2010/main" val="448121972"/>
+              </p:ext>
+            </p:extLst>
+          </p:nvPr>
+        </p:nvGraphicFramePr>
+        <p:xfrm>
+          <a:off x="648887" y="528938"/>
+          <a:ext cx="7846225" cy="3445543"/>
+        </p:xfrm>
+        <a:graphic>
+          <a:graphicData uri="http://schemas.openxmlformats.org/drawingml/2006/table">
+            <a:tbl>
+              <a:tblPr>
+                <a:noFill/>
+                <a:tableStyleId>{C0EF0A29-FFC6-45E5-8CB3-8BDD93A1EE23}</a:tableStyleId>
+              </a:tblPr>
+              <a:tblGrid>
+                <a:gridCol w="2669753">
+                  <a:extLst>
+                    <a:ext uri="{9D8B030D-6E8A-4147-A177-3AD203B41FA5}">
+                      <a16:colId xmlns:a16="http://schemas.microsoft.com/office/drawing/2014/main" val="20000"/>
+                    </a:ext>
+                  </a:extLst>
+                </a:gridCol>
+                <a:gridCol w="1348322">
+                  <a:extLst>
+                    <a:ext uri="{9D8B030D-6E8A-4147-A177-3AD203B41FA5}">
+                      <a16:colId xmlns:a16="http://schemas.microsoft.com/office/drawing/2014/main" val="20001"/>
+                    </a:ext>
+                  </a:extLst>
+                </a:gridCol>
+                <a:gridCol w="1194000">
+                  <a:extLst>
+                    <a:ext uri="{9D8B030D-6E8A-4147-A177-3AD203B41FA5}">
+                      <a16:colId xmlns:a16="http://schemas.microsoft.com/office/drawing/2014/main" val="20002"/>
+                    </a:ext>
+                  </a:extLst>
+                </a:gridCol>
+                <a:gridCol w="2634150">
+                  <a:extLst>
+                    <a:ext uri="{9D8B030D-6E8A-4147-A177-3AD203B41FA5}">
+                      <a16:colId xmlns:a16="http://schemas.microsoft.com/office/drawing/2014/main" val="20003"/>
+                    </a:ext>
+                  </a:extLst>
+                </a:gridCol>
+              </a:tblGrid>
+              <a:tr h="0">
+                <a:tc>
+                  <a:txBody>
+                    <a:bodyPr/>
+                    <a:lstStyle/>
+                    <a:p>
+                      <a:pPr marL="0" lvl="0" indent="0" algn="l" rtl="0">
+                        <a:spcBef>
+                          <a:spcPts val="0"/>
+                        </a:spcBef>
+                        <a:spcAft>
+                          <a:spcPts val="0"/>
+                        </a:spcAft>
+                        <a:buNone/>
+                      </a:pPr>
+                      <a:r>
+                        <a:rPr lang="en"/>
+                        <a:t>Task assign</a:t>
+                      </a:r>
+                      <a:endParaRPr/>
+                    </a:p>
+                  </a:txBody>
+                  <a:tcPr marL="91425" marR="91425" marT="91425" marB="91425"/>
+                </a:tc>
+                <a:tc>
+                  <a:txBody>
+                    <a:bodyPr/>
+                    <a:lstStyle/>
+                    <a:p>
+                      <a:pPr marL="0" lvl="0" indent="0" algn="l" rtl="0">
+                        <a:spcBef>
+                          <a:spcPts val="0"/>
+                        </a:spcBef>
+                        <a:spcAft>
+                          <a:spcPts val="0"/>
+                        </a:spcAft>
+                        <a:buNone/>
+                      </a:pPr>
+                      <a:r>
+                        <a:rPr lang="en"/>
+                        <a:t>Assign Date</a:t>
+                      </a:r>
+                      <a:endParaRPr/>
+                    </a:p>
+                  </a:txBody>
+                  <a:tcPr marL="91425" marR="91425" marT="91425" marB="91425"/>
+                </a:tc>
+                <a:tc>
+                  <a:txBody>
+                    <a:bodyPr/>
+                    <a:lstStyle/>
+                    <a:p>
+                      <a:pPr marL="0" lvl="0" indent="0" algn="l" rtl="0">
+                        <a:spcBef>
+                          <a:spcPts val="0"/>
+                        </a:spcBef>
+                        <a:spcAft>
+                          <a:spcPts val="0"/>
+                        </a:spcAft>
+                        <a:buNone/>
+                      </a:pPr>
+                      <a:r>
+                        <a:rPr lang="en"/>
+                        <a:t>Status</a:t>
+                      </a:r>
+                      <a:endParaRPr/>
+                    </a:p>
+                  </a:txBody>
+                  <a:tcPr marL="91425" marR="91425" marT="91425" marB="91425"/>
+                </a:tc>
+                <a:tc>
+                  <a:txBody>
+                    <a:bodyPr/>
+                    <a:lstStyle/>
+                    <a:p>
+                      <a:pPr marL="0" lvl="0" indent="0" algn="l" rtl="0">
+                        <a:spcBef>
+                          <a:spcPts val="0"/>
+                        </a:spcBef>
+                        <a:spcAft>
+                          <a:spcPts val="0"/>
+                        </a:spcAft>
+                        <a:buNone/>
+                      </a:pPr>
+                      <a:r>
+                        <a:rPr lang="en"/>
+                        <a:t>To-do list</a:t>
+                      </a:r>
+                      <a:endParaRPr/>
+                    </a:p>
+                  </a:txBody>
+                  <a:tcPr marL="91425" marR="91425" marT="91425" marB="91425"/>
+                </a:tc>
+                <a:extLst>
+                  <a:ext uri="{0D108BD9-81ED-4DB2-BD59-A6C34878D82A}">
+                    <a16:rowId xmlns:a16="http://schemas.microsoft.com/office/drawing/2014/main" val="10000"/>
+                  </a:ext>
+                </a:extLst>
+              </a:tr>
+              <a:tr h="802984">
+                <a:tc>
+                  <a:txBody>
+                    <a:bodyPr/>
+                    <a:lstStyle/>
+                    <a:p>
+                      <a:pPr marL="0" lvl="0" indent="0" algn="l" rtl="0">
+                        <a:spcBef>
+                          <a:spcPts val="0"/>
+                        </a:spcBef>
+                        <a:spcAft>
+                          <a:spcPts val="0"/>
+                        </a:spcAft>
+                        <a:buNone/>
+                      </a:pPr>
+                      <a:r>
+                        <a:rPr lang="en-US" dirty="0"/>
+                        <a:t>1.</a:t>
+                      </a:r>
+                      <a:r>
+                        <a:rPr lang="en" dirty="0"/>
+                        <a:t> Website HTML code remove.</a:t>
+                      </a:r>
+                      <a:endParaRPr dirty="0"/>
+                    </a:p>
+                  </a:txBody>
+                  <a:tcPr marL="91425" marR="91425" marT="91425" marB="91425"/>
+                </a:tc>
+                <a:tc>
+                  <a:txBody>
+                    <a:bodyPr/>
+                    <a:lstStyle/>
+                    <a:p>
+                      <a:pPr marL="0" lvl="0" indent="0" algn="l" rtl="0">
+                        <a:spcBef>
+                          <a:spcPts val="0"/>
+                        </a:spcBef>
+                        <a:spcAft>
+                          <a:spcPts val="0"/>
+                        </a:spcAft>
+                        <a:buNone/>
+                      </a:pPr>
+                      <a:r>
+                        <a:rPr lang="en" dirty="0"/>
+                        <a:t>12-10-2023</a:t>
+                      </a:r>
+                      <a:endParaRPr dirty="0"/>
+                    </a:p>
+                  </a:txBody>
+                  <a:tcPr marL="91425" marR="91425" marT="91425" marB="91425"/>
+                </a:tc>
+                <a:tc>
+                  <a:txBody>
+                    <a:bodyPr/>
+                    <a:lstStyle/>
+                    <a:p>
+                      <a:pPr marL="0" lvl="0" indent="0" algn="l" rtl="0">
+                        <a:spcBef>
+                          <a:spcPts val="0"/>
+                        </a:spcBef>
+                        <a:spcAft>
+                          <a:spcPts val="0"/>
+                        </a:spcAft>
+                        <a:buNone/>
+                      </a:pPr>
+                      <a:r>
+                        <a:rPr lang="en" dirty="0"/>
+                        <a:t>Work done(0-44 row).</a:t>
+                      </a:r>
+                      <a:endParaRPr dirty="0"/>
+                    </a:p>
+                  </a:txBody>
+                  <a:tcPr marL="91425" marR="91425" marT="91425" marB="91425"/>
+                </a:tc>
+                <a:tc>
+                  <a:txBody>
+                    <a:bodyPr/>
+                    <a:lstStyle/>
+                    <a:p>
+                      <a:pPr marL="0" lvl="0" indent="0" algn="l" rtl="0">
+                        <a:spcBef>
+                          <a:spcPts val="0"/>
+                        </a:spcBef>
+                        <a:spcAft>
+                          <a:spcPts val="0"/>
+                        </a:spcAft>
+                        <a:buNone/>
+                      </a:pPr>
+                      <a:r>
+                        <a:rPr lang="en" dirty="0"/>
+                        <a:t>1.Website HTML code remove.</a:t>
+                      </a:r>
+                      <a:endParaRPr dirty="0"/>
+                    </a:p>
+                  </a:txBody>
+                  <a:tcPr marL="91425" marR="91425" marT="91425" marB="91425"/>
+                </a:tc>
+                <a:extLst>
+                  <a:ext uri="{0D108BD9-81ED-4DB2-BD59-A6C34878D82A}">
+                    <a16:rowId xmlns:a16="http://schemas.microsoft.com/office/drawing/2014/main" val="10001"/>
+                  </a:ext>
+                </a:extLst>
+              </a:tr>
+              <a:tr h="650525">
+                <a:tc>
+                  <a:txBody>
+                    <a:bodyPr/>
+                    <a:lstStyle/>
+                    <a:p>
+                      <a:pPr marL="0" lvl="0" indent="0" algn="l" rtl="0">
+                        <a:spcBef>
+                          <a:spcPts val="0"/>
+                        </a:spcBef>
+                        <a:spcAft>
+                          <a:spcPts val="0"/>
+                        </a:spcAft>
+                        <a:buNone/>
+                      </a:pPr>
+                      <a:r>
+                        <a:rPr lang="en-US" dirty="0"/>
+                        <a:t>1.</a:t>
+                      </a:r>
+                      <a:r>
+                        <a:rPr lang="en" dirty="0"/>
+                        <a:t> Website HTML code remove.</a:t>
+                      </a:r>
+                      <a:endParaRPr dirty="0"/>
+                    </a:p>
+                  </a:txBody>
+                  <a:tcPr marL="91425" marR="91425" marT="91425" marB="91425"/>
+                </a:tc>
+                <a:tc>
+                  <a:txBody>
+                    <a:bodyPr/>
+                    <a:lstStyle/>
+                    <a:p>
+                      <a:pPr marL="0" lvl="0" indent="0" algn="l" rtl="0">
+                        <a:spcBef>
+                          <a:spcPts val="0"/>
+                        </a:spcBef>
+                        <a:spcAft>
+                          <a:spcPts val="0"/>
+                        </a:spcAft>
+                        <a:buNone/>
+                      </a:pPr>
+                      <a:r>
+                        <a:rPr lang="en-US" dirty="0"/>
+                        <a:t>15-10-2013</a:t>
+                      </a:r>
+                      <a:endParaRPr dirty="0"/>
+                    </a:p>
+                  </a:txBody>
+                  <a:tcPr marL="91425" marR="91425" marT="91425" marB="91425"/>
+                </a:tc>
+                <a:tc>
+                  <a:txBody>
+                    <a:bodyPr/>
+                    <a:lstStyle/>
+                    <a:p>
+                      <a:pPr marL="0" lvl="0" indent="0" algn="l" rtl="0">
+                        <a:spcBef>
+                          <a:spcPts val="0"/>
+                        </a:spcBef>
+                        <a:spcAft>
+                          <a:spcPts val="0"/>
+                        </a:spcAft>
+                        <a:buNone/>
+                      </a:pPr>
+                      <a:r>
+                        <a:rPr lang="en-US" dirty="0"/>
+                        <a:t>Work done(45-100 row).</a:t>
+                      </a:r>
+                    </a:p>
+                  </a:txBody>
+                  <a:tcPr marL="91425" marR="91425" marT="91425" marB="91425"/>
+                </a:tc>
+                <a:tc>
+                  <a:txBody>
+                    <a:bodyPr/>
+                    <a:lstStyle/>
+                    <a:p>
+                      <a:pPr marL="0" lvl="0" indent="0" algn="l" rtl="0">
+                        <a:spcBef>
+                          <a:spcPts val="0"/>
+                        </a:spcBef>
+                        <a:spcAft>
+                          <a:spcPts val="0"/>
+                        </a:spcAft>
+                        <a:buNone/>
+                      </a:pPr>
+                      <a:r>
+                        <a:rPr lang="en-US" dirty="0"/>
+                        <a:t>1.</a:t>
+                      </a:r>
+                      <a:r>
+                        <a:rPr lang="en" dirty="0"/>
+                        <a:t>Website HTML code remove.</a:t>
+                      </a:r>
+                      <a:endParaRPr dirty="0"/>
+                    </a:p>
+                  </a:txBody>
+                  <a:tcPr marL="91425" marR="91425" marT="91425" marB="91425"/>
+                </a:tc>
+                <a:extLst>
+                  <a:ext uri="{0D108BD9-81ED-4DB2-BD59-A6C34878D82A}">
+                    <a16:rowId xmlns:a16="http://schemas.microsoft.com/office/drawing/2014/main" val="10002"/>
+                  </a:ext>
+                </a:extLst>
+              </a:tr>
+              <a:tr h="713825">
+                <a:tc>
+                  <a:txBody>
+                    <a:bodyPr/>
+                    <a:lstStyle/>
+                    <a:p>
+                      <a:pPr marL="0" lvl="0" indent="0" algn="l" rtl="0">
+                        <a:spcBef>
+                          <a:spcPts val="0"/>
+                        </a:spcBef>
+                        <a:spcAft>
+                          <a:spcPts val="0"/>
+                        </a:spcAft>
+                        <a:buNone/>
+                      </a:pPr>
+                      <a:endParaRPr dirty="0"/>
+                    </a:p>
+                  </a:txBody>
+                  <a:tcPr marL="91425" marR="91425" marT="91425" marB="91425"/>
+                </a:tc>
+                <a:tc>
+                  <a:txBody>
+                    <a:bodyPr/>
+                    <a:lstStyle/>
+                    <a:p>
+                      <a:pPr marL="0" lvl="0" indent="0" algn="l" rtl="0">
+                        <a:spcBef>
+                          <a:spcPts val="0"/>
+                        </a:spcBef>
+                        <a:spcAft>
+                          <a:spcPts val="0"/>
+                        </a:spcAft>
+                        <a:buNone/>
+                      </a:pPr>
+                      <a:endParaRPr dirty="0"/>
+                    </a:p>
+                  </a:txBody>
+                  <a:tcPr marL="91425" marR="91425" marT="91425" marB="91425"/>
+                </a:tc>
+                <a:tc>
+                  <a:txBody>
+                    <a:bodyPr/>
+                    <a:lstStyle/>
+                    <a:p>
+                      <a:pPr marL="0" lvl="0" indent="0" algn="l" rtl="0">
+                        <a:spcBef>
+                          <a:spcPts val="0"/>
+                        </a:spcBef>
+                        <a:spcAft>
+                          <a:spcPts val="0"/>
+                        </a:spcAft>
+                        <a:buNone/>
+                      </a:pPr>
+                      <a:endParaRPr dirty="0"/>
+                    </a:p>
+                  </a:txBody>
+                  <a:tcPr marL="91425" marR="91425" marT="91425" marB="91425"/>
+                </a:tc>
+                <a:tc>
+                  <a:txBody>
+                    <a:bodyPr/>
+                    <a:lstStyle/>
+                    <a:p>
+                      <a:pPr marL="0" lvl="0" indent="0" algn="l" rtl="0">
+                        <a:spcBef>
+                          <a:spcPts val="0"/>
+                        </a:spcBef>
+                        <a:spcAft>
+                          <a:spcPts val="0"/>
+                        </a:spcAft>
+                        <a:buNone/>
+                      </a:pPr>
+                      <a:endParaRPr dirty="0"/>
+                    </a:p>
+                  </a:txBody>
+                  <a:tcPr marL="91425" marR="91425" marT="91425" marB="91425"/>
+                </a:tc>
+                <a:extLst>
+                  <a:ext uri="{0D108BD9-81ED-4DB2-BD59-A6C34878D82A}">
+                    <a16:rowId xmlns:a16="http://schemas.microsoft.com/office/drawing/2014/main" val="10003"/>
+                  </a:ext>
+                </a:extLst>
+              </a:tr>
+              <a:tr h="689648">
+                <a:tc>
+                  <a:txBody>
+                    <a:bodyPr/>
+                    <a:lstStyle/>
+                    <a:p>
+                      <a:pPr marL="0" lvl="0" indent="0" algn="l" rtl="0">
+                        <a:spcBef>
+                          <a:spcPts val="0"/>
+                        </a:spcBef>
+                        <a:spcAft>
+                          <a:spcPts val="0"/>
+                        </a:spcAft>
+                        <a:buNone/>
+                      </a:pPr>
+                      <a:endParaRPr dirty="0"/>
+                    </a:p>
+                  </a:txBody>
+                  <a:tcPr marL="91425" marR="91425" marT="91425" marB="91425"/>
+                </a:tc>
+                <a:tc>
+                  <a:txBody>
+                    <a:bodyPr/>
+                    <a:lstStyle/>
+                    <a:p>
+                      <a:pPr marL="0" lvl="0" indent="0" algn="l" rtl="0">
+                        <a:spcBef>
+                          <a:spcPts val="0"/>
+                        </a:spcBef>
+                        <a:spcAft>
+                          <a:spcPts val="0"/>
+                        </a:spcAft>
+                        <a:buNone/>
+                      </a:pPr>
+                      <a:endParaRPr dirty="0"/>
+                    </a:p>
+                  </a:txBody>
+                  <a:tcPr marL="91425" marR="91425" marT="91425" marB="91425"/>
+                </a:tc>
+                <a:tc>
+                  <a:txBody>
+                    <a:bodyPr/>
+                    <a:lstStyle/>
+                    <a:p>
+                      <a:pPr marL="0" lvl="0" indent="0" algn="l" rtl="0">
+                        <a:spcBef>
+                          <a:spcPts val="0"/>
+                        </a:spcBef>
+                        <a:spcAft>
+                          <a:spcPts val="0"/>
+                        </a:spcAft>
+                        <a:buNone/>
+                      </a:pPr>
+                      <a:endParaRPr dirty="0"/>
+                    </a:p>
+                  </a:txBody>
+                  <a:tcPr marL="91425" marR="91425" marT="91425" marB="91425"/>
+                </a:tc>
+                <a:tc>
+                  <a:txBody>
+                    <a:bodyPr/>
+                    <a:lstStyle/>
+                    <a:p>
+                      <a:pPr marL="0" lvl="0" indent="0" algn="l" rtl="0">
+                        <a:spcBef>
+                          <a:spcPts val="0"/>
+                        </a:spcBef>
+                        <a:spcAft>
+                          <a:spcPts val="0"/>
+                        </a:spcAft>
+                        <a:buNone/>
+                      </a:pPr>
+                      <a:endParaRPr dirty="0"/>
+                    </a:p>
+                  </a:txBody>
+                  <a:tcPr marL="91425" marR="91425" marT="91425" marB="91425"/>
+                </a:tc>
+                <a:extLst>
+                  <a:ext uri="{0D108BD9-81ED-4DB2-BD59-A6C34878D82A}">
+                    <a16:rowId xmlns:a16="http://schemas.microsoft.com/office/drawing/2014/main" val="10004"/>
+                  </a:ext>
+                </a:extLst>
+              </a:tr>
+            </a:tbl>
+          </a:graphicData>
+        </a:graphic>
+      </p:graphicFrame>
+    </p:spTree>
+    <p:extLst>
+      <p:ext uri="{BB962C8B-B14F-4D97-AF65-F5344CB8AC3E}">
+        <p14:creationId xmlns:p14="http://schemas.microsoft.com/office/powerpoint/2010/main" val="3384162941"/>
+      </p:ext>
+    </p:extLst>
   </p:cSld>
   <p:clrMapOvr>
     <a:masterClrMapping/>

--- a/Office_progress_report.pptx
+++ b/Office_progress_report.pptx
@@ -5,27 +5,29 @@
     <p:sldMasterId id="2147483659" r:id="rId1"/>
   </p:sldMasterIdLst>
   <p:notesMasterIdLst>
-    <p:notesMasterId r:id="rId5"/>
+    <p:notesMasterId r:id="rId7"/>
   </p:notesMasterIdLst>
   <p:sldIdLst>
     <p:sldId id="256" r:id="rId2"/>
     <p:sldId id="257" r:id="rId3"/>
     <p:sldId id="259" r:id="rId4"/>
+    <p:sldId id="260" r:id="rId5"/>
+    <p:sldId id="261" r:id="rId6"/>
   </p:sldIdLst>
   <p:sldSz cx="9144000" cy="5143500" type="screen16x9"/>
   <p:notesSz cx="6858000" cy="9144000"/>
   <p:embeddedFontLst>
     <p:embeddedFont>
       <p:font typeface="Maven Pro" panose="020B0604020202020204" charset="0"/>
-      <p:regular r:id="rId6"/>
-      <p:bold r:id="rId7"/>
+      <p:regular r:id="rId8"/>
+      <p:bold r:id="rId9"/>
     </p:embeddedFont>
     <p:embeddedFont>
       <p:font typeface="Nunito" pitchFamily="2" charset="0"/>
-      <p:regular r:id="rId8"/>
-      <p:bold r:id="rId9"/>
-      <p:italic r:id="rId10"/>
-      <p:boldItalic r:id="rId11"/>
+      <p:regular r:id="rId10"/>
+      <p:bold r:id="rId11"/>
+      <p:italic r:id="rId12"/>
+      <p:boldItalic r:id="rId13"/>
     </p:embeddedFont>
   </p:embeddedFontLst>
   <p:defaultTextStyle>
@@ -746,8 +748,8 @@
         </p:nvSpPr>
         <p:spPr>
           <a:xfrm>
-            <a:off x="381300" y="685800"/>
-            <a:ext cx="6096075" cy="3429000"/>
+            <a:off x="381000" y="685800"/>
+            <a:ext cx="6096000" cy="3429000"/>
           </a:xfrm>
           <a:custGeom>
             <a:avLst/>
@@ -1025,6 +1027,115 @@
     <p:extLst>
       <p:ext uri="{BB962C8B-B14F-4D97-AF65-F5344CB8AC3E}">
         <p14:creationId xmlns:p14="http://schemas.microsoft.com/office/powerpoint/2010/main" val="1606471536"/>
+      </p:ext>
+    </p:extLst>
+  </p:cSld>
+  <p:clrMapOvr>
+    <a:masterClrMapping/>
+  </p:clrMapOvr>
+</p:notes>
+</file>
+
+<file path=ppt/notesSlides/notesSlide4.xml><?xml version="1.0" encoding="utf-8"?>
+<p:notes xmlns:a="http://schemas.openxmlformats.org/drawingml/2006/main" xmlns:r="http://schemas.openxmlformats.org/officeDocument/2006/relationships" xmlns:p="http://schemas.openxmlformats.org/presentationml/2006/main" showMasterSp="0" showMasterPhAnim="0">
+  <p:cSld>
+    <p:spTree>
+      <p:nvGrpSpPr>
+        <p:cNvPr id="1" name="Shape 279"/>
+        <p:cNvGrpSpPr/>
+        <p:nvPr/>
+      </p:nvGrpSpPr>
+      <p:grpSpPr>
+        <a:xfrm>
+          <a:off x="0" y="0"/>
+          <a:ext cx="0" cy="0"/>
+          <a:chOff x="0" y="0"/>
+          <a:chExt cx="0" cy="0"/>
+        </a:xfrm>
+      </p:grpSpPr>
+      <p:sp>
+        <p:nvSpPr>
+          <p:cNvPr id="280" name="Google Shape;280;g24c6537b18f_0_268:notes"/>
+          <p:cNvSpPr>
+            <a:spLocks noGrp="1" noRot="1" noChangeAspect="1"/>
+          </p:cNvSpPr>
+          <p:nvPr>
+            <p:ph type="sldImg" idx="2"/>
+          </p:nvPr>
+        </p:nvSpPr>
+        <p:spPr>
+          <a:xfrm>
+            <a:off x="381000" y="685800"/>
+            <a:ext cx="6096000" cy="3429000"/>
+          </a:xfrm>
+          <a:custGeom>
+            <a:avLst/>
+            <a:gdLst/>
+            <a:ahLst/>
+            <a:cxnLst/>
+            <a:rect l="l" t="t" r="r" b="b"/>
+            <a:pathLst>
+              <a:path w="120000" h="120000" extrusionOk="0">
+                <a:moveTo>
+                  <a:pt x="0" y="0"/>
+                </a:moveTo>
+                <a:lnTo>
+                  <a:pt x="120000" y="0"/>
+                </a:lnTo>
+                <a:lnTo>
+                  <a:pt x="120000" y="120000"/>
+                </a:lnTo>
+                <a:lnTo>
+                  <a:pt x="0" y="120000"/>
+                </a:lnTo>
+                <a:close/>
+              </a:path>
+            </a:pathLst>
+          </a:custGeom>
+        </p:spPr>
+      </p:sp>
+      <p:sp>
+        <p:nvSpPr>
+          <p:cNvPr id="281" name="Google Shape;281;g24c6537b18f_0_268:notes"/>
+          <p:cNvSpPr txBox="1">
+            <a:spLocks noGrp="1"/>
+          </p:cNvSpPr>
+          <p:nvPr>
+            <p:ph type="body" idx="1"/>
+          </p:nvPr>
+        </p:nvSpPr>
+        <p:spPr>
+          <a:xfrm>
+            <a:off x="685800" y="4343400"/>
+            <a:ext cx="5486400" cy="4114800"/>
+          </a:xfrm>
+          <a:prstGeom prst="rect">
+            <a:avLst/>
+          </a:prstGeom>
+        </p:spPr>
+        <p:txBody>
+          <a:bodyPr spcFirstLastPara="1" wrap="square" lIns="91425" tIns="91425" rIns="91425" bIns="91425" anchor="t" anchorCtr="0">
+            <a:noAutofit/>
+          </a:bodyPr>
+          <a:lstStyle/>
+          <a:p>
+            <a:pPr marL="0" lvl="0" indent="0" algn="l" rtl="0">
+              <a:spcBef>
+                <a:spcPts val="0"/>
+              </a:spcBef>
+              <a:spcAft>
+                <a:spcPts val="0"/>
+              </a:spcAft>
+              <a:buNone/>
+            </a:pPr>
+            <a:endParaRPr/>
+          </a:p>
+        </p:txBody>
+      </p:sp>
+    </p:spTree>
+    <p:extLst>
+      <p:ext uri="{BB962C8B-B14F-4D97-AF65-F5344CB8AC3E}">
+        <p14:creationId xmlns:p14="http://schemas.microsoft.com/office/powerpoint/2010/main" val="3963217521"/>
       </p:ext>
     </p:extLst>
   </p:cSld>
@@ -14951,10 +15062,10 @@
               <a:buNone/>
             </a:pPr>
             <a:r>
-              <a:rPr lang="en"/>
-              <a:t>Data cleaning</a:t>
+              <a:rPr lang="en" dirty="0"/>
+              <a:t>Progress Report</a:t>
             </a:r>
-            <a:endParaRPr/>
+            <a:endParaRPr dirty="0"/>
           </a:p>
         </p:txBody>
       </p:sp>
@@ -14970,7 +15081,7 @@
         </p:nvSpPr>
         <p:spPr>
           <a:xfrm>
-            <a:off x="824000" y="3596300"/>
+            <a:off x="1511897" y="3059405"/>
             <a:ext cx="4255500" cy="695400"/>
           </a:xfrm>
           <a:prstGeom prst="rect">
@@ -14993,10 +15104,10 @@
               <a:buNone/>
             </a:pPr>
             <a:r>
-              <a:rPr lang="en"/>
-              <a:t>New file data cleaning and old file checking</a:t>
+              <a:rPr lang="en" dirty="0"/>
+              <a:t>Data cleaning and old file checking</a:t>
             </a:r>
-            <a:endParaRPr/>
+            <a:endParaRPr dirty="0"/>
           </a:p>
         </p:txBody>
       </p:sp>
@@ -15734,14 +15845,14 @@
           <p:nvPr>
             <p:extLst>
               <p:ext uri="{D42A27DB-BD31-4B8C-83A1-F6EECF244321}">
-                <p14:modId xmlns:p14="http://schemas.microsoft.com/office/powerpoint/2010/main" val="448121972"/>
+                <p14:modId xmlns:p14="http://schemas.microsoft.com/office/powerpoint/2010/main" val="1092864719"/>
               </p:ext>
             </p:extLst>
           </p:nvPr>
         </p:nvGraphicFramePr>
         <p:xfrm>
-          <a:off x="648887" y="528938"/>
-          <a:ext cx="7846225" cy="3445543"/>
+          <a:off x="648887" y="470523"/>
+          <a:ext cx="7846225" cy="4202454"/>
         </p:xfrm>
         <a:graphic>
           <a:graphicData uri="http://schemas.openxmlformats.org/drawingml/2006/table">
@@ -15780,7 +15891,7 @@
                   </a:extLst>
                 </a:gridCol>
               </a:tblGrid>
-              <a:tr h="0">
+              <a:tr h="483249">
                 <a:tc>
                   <a:txBody>
                     <a:bodyPr/>
@@ -15879,7 +15990,7 @@
                   </a:ext>
                 </a:extLst>
               </a:tr>
-              <a:tr h="802984">
+              <a:tr h="1003710">
                 <a:tc>
                   <a:txBody>
                     <a:bodyPr/>
@@ -15982,7 +16093,7 @@
                   </a:ext>
                 </a:extLst>
               </a:tr>
-              <a:tr h="650525">
+              <a:tr h="1003710">
                 <a:tc>
                   <a:txBody>
                     <a:bodyPr/>
@@ -16075,7 +16186,22 @@
                       </a:r>
                       <a:r>
                         <a:rPr lang="en" dirty="0"/>
-                        <a:t>Website HTML code remove.</a:t>
+                        <a:t>Home office.</a:t>
+                      </a:r>
+                    </a:p>
+                    <a:p>
+                      <a:pPr marL="0" lvl="0" indent="0" algn="l" rtl="0">
+                        <a:spcBef>
+                          <a:spcPts val="0"/>
+                        </a:spcBef>
+                        <a:spcAft>
+                          <a:spcPts val="0"/>
+                        </a:spcAft>
+                        <a:buNone/>
+                      </a:pPr>
+                      <a:r>
+                        <a:rPr lang="en" dirty="0"/>
+                        <a:t>2. Website HTML code remove.</a:t>
                       </a:r>
                       <a:endParaRPr dirty="0"/>
                     </a:p>
@@ -16088,7 +16214,768 @@
                   </a:ext>
                 </a:extLst>
               </a:tr>
-              <a:tr h="713825">
+              <a:tr h="870637">
+                <a:tc>
+                  <a:txBody>
+                    <a:bodyPr/>
+                    <a:lstStyle/>
+                    <a:p>
+                      <a:pPr marL="0" lvl="0" indent="0" algn="l" rtl="0">
+                        <a:spcBef>
+                          <a:spcPts val="0"/>
+                        </a:spcBef>
+                        <a:spcAft>
+                          <a:spcPts val="0"/>
+                        </a:spcAft>
+                        <a:buNone/>
+                      </a:pPr>
+                      <a:r>
+                        <a:rPr lang="en-US" dirty="0"/>
+                        <a:t>1.Learn about statistical analysis and discuss about data science.</a:t>
+                      </a:r>
+                      <a:endParaRPr dirty="0"/>
+                    </a:p>
+                  </a:txBody>
+                  <a:tcPr marL="91425" marR="91425" marT="91425" marB="91425"/>
+                </a:tc>
+                <a:tc>
+                  <a:txBody>
+                    <a:bodyPr/>
+                    <a:lstStyle/>
+                    <a:p>
+                      <a:pPr marL="0" marR="0" lvl="0" indent="0" algn="l" defTabSz="914400" rtl="0" eaLnBrk="1" fontAlgn="auto" latinLnBrk="0" hangingPunct="1">
+                        <a:lnSpc>
+                          <a:spcPct val="100000"/>
+                        </a:lnSpc>
+                        <a:spcBef>
+                          <a:spcPts val="0"/>
+                        </a:spcBef>
+                        <a:spcAft>
+                          <a:spcPts val="0"/>
+                        </a:spcAft>
+                        <a:buClr>
+                          <a:srgbClr val="000000"/>
+                        </a:buClr>
+                        <a:buSzTx/>
+                        <a:buFont typeface="Arial"/>
+                        <a:buNone/>
+                        <a:tabLst/>
+                        <a:defRPr/>
+                      </a:pPr>
+                      <a:r>
+                        <a:rPr lang="en" dirty="0"/>
+                        <a:t>16-10-2023</a:t>
+                      </a:r>
+                    </a:p>
+                    <a:p>
+                      <a:pPr marL="0" lvl="0" indent="0" algn="l" rtl="0">
+                        <a:spcBef>
+                          <a:spcPts val="0"/>
+                        </a:spcBef>
+                        <a:spcAft>
+                          <a:spcPts val="0"/>
+                        </a:spcAft>
+                        <a:buNone/>
+                      </a:pPr>
+                      <a:endParaRPr dirty="0"/>
+                    </a:p>
+                  </a:txBody>
+                  <a:tcPr marL="91425" marR="91425" marT="91425" marB="91425"/>
+                </a:tc>
+                <a:tc>
+                  <a:txBody>
+                    <a:bodyPr/>
+                    <a:lstStyle/>
+                    <a:p>
+                      <a:pPr marL="0" marR="0" lvl="0" indent="0" algn="l" defTabSz="914400" rtl="0" eaLnBrk="1" fontAlgn="auto" latinLnBrk="0" hangingPunct="1">
+                        <a:lnSpc>
+                          <a:spcPct val="100000"/>
+                        </a:lnSpc>
+                        <a:spcBef>
+                          <a:spcPts val="0"/>
+                        </a:spcBef>
+                        <a:spcAft>
+                          <a:spcPts val="0"/>
+                        </a:spcAft>
+                        <a:buClr>
+                          <a:srgbClr val="000000"/>
+                        </a:buClr>
+                        <a:buSzTx/>
+                        <a:buFont typeface="Arial"/>
+                        <a:buNone/>
+                        <a:tabLst/>
+                        <a:defRPr/>
+                      </a:pPr>
+                      <a:r>
+                        <a:rPr lang="en-US" dirty="0"/>
+                        <a:t>Done.</a:t>
+                      </a:r>
+                    </a:p>
+                    <a:p>
+                      <a:pPr marL="0" lvl="0" indent="0" algn="l" rtl="0">
+                        <a:spcBef>
+                          <a:spcPts val="0"/>
+                        </a:spcBef>
+                        <a:spcAft>
+                          <a:spcPts val="0"/>
+                        </a:spcAft>
+                        <a:buNone/>
+                      </a:pPr>
+                      <a:endParaRPr dirty="0"/>
+                    </a:p>
+                  </a:txBody>
+                  <a:tcPr marL="91425" marR="91425" marT="91425" marB="91425"/>
+                </a:tc>
+                <a:tc>
+                  <a:txBody>
+                    <a:bodyPr/>
+                    <a:lstStyle/>
+                    <a:p>
+                      <a:pPr marL="0" marR="0" lvl="0" indent="0" algn="l" defTabSz="914400" rtl="0" eaLnBrk="1" fontAlgn="auto" latinLnBrk="0" hangingPunct="1">
+                        <a:lnSpc>
+                          <a:spcPct val="100000"/>
+                        </a:lnSpc>
+                        <a:spcBef>
+                          <a:spcPts val="0"/>
+                        </a:spcBef>
+                        <a:spcAft>
+                          <a:spcPts val="0"/>
+                        </a:spcAft>
+                        <a:buClr>
+                          <a:srgbClr val="000000"/>
+                        </a:buClr>
+                        <a:buSzTx/>
+                        <a:buFont typeface="Arial"/>
+                        <a:buNone/>
+                        <a:tabLst/>
+                        <a:defRPr/>
+                      </a:pPr>
+                      <a:r>
+                        <a:rPr lang="en-US" dirty="0"/>
+                        <a:t>1.Generate graphs.</a:t>
+                      </a:r>
+                    </a:p>
+                    <a:p>
+                      <a:pPr marL="0" lvl="0" indent="0" algn="l" rtl="0">
+                        <a:spcBef>
+                          <a:spcPts val="0"/>
+                        </a:spcBef>
+                        <a:spcAft>
+                          <a:spcPts val="0"/>
+                        </a:spcAft>
+                        <a:buNone/>
+                      </a:pPr>
+                      <a:endParaRPr dirty="0"/>
+                    </a:p>
+                  </a:txBody>
+                  <a:tcPr marL="91425" marR="91425" marT="91425" marB="91425"/>
+                </a:tc>
+                <a:extLst>
+                  <a:ext uri="{0D108BD9-81ED-4DB2-BD59-A6C34878D82A}">
+                    <a16:rowId xmlns:a16="http://schemas.microsoft.com/office/drawing/2014/main" val="10003"/>
+                  </a:ext>
+                </a:extLst>
+              </a:tr>
+              <a:tr h="841148">
+                <a:tc>
+                  <a:txBody>
+                    <a:bodyPr/>
+                    <a:lstStyle/>
+                    <a:p>
+                      <a:pPr marL="0" marR="0" lvl="0" indent="0" algn="l" defTabSz="914400" rtl="0" eaLnBrk="1" fontAlgn="auto" latinLnBrk="0" hangingPunct="1">
+                        <a:lnSpc>
+                          <a:spcPct val="100000"/>
+                        </a:lnSpc>
+                        <a:spcBef>
+                          <a:spcPts val="0"/>
+                        </a:spcBef>
+                        <a:spcAft>
+                          <a:spcPts val="0"/>
+                        </a:spcAft>
+                        <a:buClr>
+                          <a:srgbClr val="000000"/>
+                        </a:buClr>
+                        <a:buSzTx/>
+                        <a:buFont typeface="Arial"/>
+                        <a:buNone/>
+                        <a:tabLst/>
+                        <a:defRPr/>
+                      </a:pPr>
+                      <a:r>
+                        <a:rPr lang="en-US" dirty="0"/>
+                        <a:t>1. Feed our model to cleaned data and generate graphs for each data.</a:t>
+                      </a:r>
+                    </a:p>
+                  </a:txBody>
+                  <a:tcPr marL="91425" marR="91425" marT="91425" marB="91425"/>
+                </a:tc>
+                <a:tc>
+                  <a:txBody>
+                    <a:bodyPr/>
+                    <a:lstStyle/>
+                    <a:p>
+                      <a:pPr marL="0" marR="0" lvl="0" indent="0" algn="l" defTabSz="914400" rtl="0" eaLnBrk="1" fontAlgn="auto" latinLnBrk="0" hangingPunct="1">
+                        <a:lnSpc>
+                          <a:spcPct val="100000"/>
+                        </a:lnSpc>
+                        <a:spcBef>
+                          <a:spcPts val="0"/>
+                        </a:spcBef>
+                        <a:spcAft>
+                          <a:spcPts val="0"/>
+                        </a:spcAft>
+                        <a:buClr>
+                          <a:srgbClr val="000000"/>
+                        </a:buClr>
+                        <a:buSzTx/>
+                        <a:buFont typeface="Arial"/>
+                        <a:buNone/>
+                        <a:tabLst/>
+                        <a:defRPr/>
+                      </a:pPr>
+                      <a:r>
+                        <a:rPr lang="en-US" dirty="0"/>
+                        <a:t>17-10-2013</a:t>
+                      </a:r>
+                    </a:p>
+                  </a:txBody>
+                  <a:tcPr marL="91425" marR="91425" marT="91425" marB="91425"/>
+                </a:tc>
+                <a:tc>
+                  <a:txBody>
+                    <a:bodyPr/>
+                    <a:lstStyle/>
+                    <a:p>
+                      <a:pPr marL="0" lvl="0" indent="0" algn="l" rtl="0">
+                        <a:spcBef>
+                          <a:spcPts val="0"/>
+                        </a:spcBef>
+                        <a:spcAft>
+                          <a:spcPts val="0"/>
+                        </a:spcAft>
+                        <a:buNone/>
+                      </a:pPr>
+                      <a:r>
+                        <a:rPr lang="en-US" dirty="0"/>
+                        <a:t>Done</a:t>
+                      </a:r>
+                      <a:endParaRPr dirty="0"/>
+                    </a:p>
+                  </a:txBody>
+                  <a:tcPr marL="91425" marR="91425" marT="91425" marB="91425"/>
+                </a:tc>
+                <a:tc>
+                  <a:txBody>
+                    <a:bodyPr/>
+                    <a:lstStyle/>
+                    <a:p>
+                      <a:pPr marL="0" marR="0" lvl="0" indent="0" algn="l" defTabSz="914400" rtl="0" eaLnBrk="1" fontAlgn="auto" latinLnBrk="0" hangingPunct="1">
+                        <a:lnSpc>
+                          <a:spcPct val="100000"/>
+                        </a:lnSpc>
+                        <a:spcBef>
+                          <a:spcPts val="0"/>
+                        </a:spcBef>
+                        <a:spcAft>
+                          <a:spcPts val="0"/>
+                        </a:spcAft>
+                        <a:buClr>
+                          <a:srgbClr val="000000"/>
+                        </a:buClr>
+                        <a:buSzTx/>
+                        <a:buFont typeface="Arial"/>
+                        <a:buNone/>
+                        <a:tabLst/>
+                        <a:defRPr/>
+                      </a:pPr>
+                      <a:r>
+                        <a:rPr lang="en-US" dirty="0"/>
+                        <a:t>1.Solve titanic data science project and submit to Kaggle.</a:t>
+                      </a:r>
+                    </a:p>
+                    <a:p>
+                      <a:pPr marL="0" lvl="0" indent="0" algn="l" rtl="0">
+                        <a:spcBef>
+                          <a:spcPts val="0"/>
+                        </a:spcBef>
+                        <a:spcAft>
+                          <a:spcPts val="0"/>
+                        </a:spcAft>
+                        <a:buNone/>
+                      </a:pPr>
+                      <a:endParaRPr dirty="0"/>
+                    </a:p>
+                  </a:txBody>
+                  <a:tcPr marL="91425" marR="91425" marT="91425" marB="91425"/>
+                </a:tc>
+                <a:extLst>
+                  <a:ext uri="{0D108BD9-81ED-4DB2-BD59-A6C34878D82A}">
+                    <a16:rowId xmlns:a16="http://schemas.microsoft.com/office/drawing/2014/main" val="10004"/>
+                  </a:ext>
+                </a:extLst>
+              </a:tr>
+            </a:tbl>
+          </a:graphicData>
+        </a:graphic>
+      </p:graphicFrame>
+    </p:spTree>
+    <p:extLst>
+      <p:ext uri="{BB962C8B-B14F-4D97-AF65-F5344CB8AC3E}">
+        <p14:creationId xmlns:p14="http://schemas.microsoft.com/office/powerpoint/2010/main" val="3384162941"/>
+      </p:ext>
+    </p:extLst>
+  </p:cSld>
+  <p:clrMapOvr>
+    <a:masterClrMapping/>
+  </p:clrMapOvr>
+</p:sld>
+</file>
+
+<file path=ppt/slides/slide4.xml><?xml version="1.0" encoding="utf-8"?>
+<p:sld xmlns:a="http://schemas.openxmlformats.org/drawingml/2006/main" xmlns:r="http://schemas.openxmlformats.org/officeDocument/2006/relationships" xmlns:p="http://schemas.openxmlformats.org/presentationml/2006/main">
+  <p:cSld>
+    <p:spTree>
+      <p:nvGrpSpPr>
+        <p:cNvPr id="1" name="Shape 282"/>
+        <p:cNvGrpSpPr/>
+        <p:nvPr/>
+      </p:nvGrpSpPr>
+      <p:grpSpPr>
+        <a:xfrm>
+          <a:off x="0" y="0"/>
+          <a:ext cx="0" cy="0"/>
+          <a:chOff x="0" y="0"/>
+          <a:chExt cx="0" cy="0"/>
+        </a:xfrm>
+      </p:grpSpPr>
+      <p:graphicFrame>
+        <p:nvGraphicFramePr>
+          <p:cNvPr id="283" name="Google Shape;283;p14"/>
+          <p:cNvGraphicFramePr/>
+          <p:nvPr>
+            <p:extLst>
+              <p:ext uri="{D42A27DB-BD31-4B8C-83A1-F6EECF244321}">
+                <p14:modId xmlns:p14="http://schemas.microsoft.com/office/powerpoint/2010/main" val="2707204605"/>
+              </p:ext>
+            </p:extLst>
+          </p:nvPr>
+        </p:nvGraphicFramePr>
+        <p:xfrm>
+          <a:off x="763398" y="528938"/>
+          <a:ext cx="7731714" cy="4273807"/>
+        </p:xfrm>
+        <a:graphic>
+          <a:graphicData uri="http://schemas.openxmlformats.org/drawingml/2006/table">
+            <a:tbl>
+              <a:tblPr>
+                <a:noFill/>
+                <a:tableStyleId>{C0EF0A29-FFC6-45E5-8CB3-8BDD93A1EE23}</a:tableStyleId>
+              </a:tblPr>
+              <a:tblGrid>
+                <a:gridCol w="2555242">
+                  <a:extLst>
+                    <a:ext uri="{9D8B030D-6E8A-4147-A177-3AD203B41FA5}">
+                      <a16:colId xmlns:a16="http://schemas.microsoft.com/office/drawing/2014/main" val="20000"/>
+                    </a:ext>
+                  </a:extLst>
+                </a:gridCol>
+                <a:gridCol w="1348322">
+                  <a:extLst>
+                    <a:ext uri="{9D8B030D-6E8A-4147-A177-3AD203B41FA5}">
+                      <a16:colId xmlns:a16="http://schemas.microsoft.com/office/drawing/2014/main" val="20001"/>
+                    </a:ext>
+                  </a:extLst>
+                </a:gridCol>
+                <a:gridCol w="1194000">
+                  <a:extLst>
+                    <a:ext uri="{9D8B030D-6E8A-4147-A177-3AD203B41FA5}">
+                      <a16:colId xmlns:a16="http://schemas.microsoft.com/office/drawing/2014/main" val="20002"/>
+                    </a:ext>
+                  </a:extLst>
+                </a:gridCol>
+                <a:gridCol w="2634150">
+                  <a:extLst>
+                    <a:ext uri="{9D8B030D-6E8A-4147-A177-3AD203B41FA5}">
+                      <a16:colId xmlns:a16="http://schemas.microsoft.com/office/drawing/2014/main" val="20003"/>
+                    </a:ext>
+                  </a:extLst>
+                </a:gridCol>
+              </a:tblGrid>
+              <a:tr h="483249">
+                <a:tc>
+                  <a:txBody>
+                    <a:bodyPr/>
+                    <a:lstStyle/>
+                    <a:p>
+                      <a:pPr marL="0" lvl="0" indent="0" algn="l" rtl="0">
+                        <a:spcBef>
+                          <a:spcPts val="0"/>
+                        </a:spcBef>
+                        <a:spcAft>
+                          <a:spcPts val="0"/>
+                        </a:spcAft>
+                        <a:buNone/>
+                      </a:pPr>
+                      <a:r>
+                        <a:rPr lang="en"/>
+                        <a:t>Task assign</a:t>
+                      </a:r>
+                      <a:endParaRPr/>
+                    </a:p>
+                  </a:txBody>
+                  <a:tcPr marL="91425" marR="91425" marT="91425" marB="91425"/>
+                </a:tc>
+                <a:tc>
+                  <a:txBody>
+                    <a:bodyPr/>
+                    <a:lstStyle/>
+                    <a:p>
+                      <a:pPr marL="0" lvl="0" indent="0" algn="l" rtl="0">
+                        <a:spcBef>
+                          <a:spcPts val="0"/>
+                        </a:spcBef>
+                        <a:spcAft>
+                          <a:spcPts val="0"/>
+                        </a:spcAft>
+                        <a:buNone/>
+                      </a:pPr>
+                      <a:r>
+                        <a:rPr lang="en"/>
+                        <a:t>Assign Date</a:t>
+                      </a:r>
+                      <a:endParaRPr/>
+                    </a:p>
+                  </a:txBody>
+                  <a:tcPr marL="91425" marR="91425" marT="91425" marB="91425"/>
+                </a:tc>
+                <a:tc>
+                  <a:txBody>
+                    <a:bodyPr/>
+                    <a:lstStyle/>
+                    <a:p>
+                      <a:pPr marL="0" lvl="0" indent="0" algn="l" rtl="0">
+                        <a:spcBef>
+                          <a:spcPts val="0"/>
+                        </a:spcBef>
+                        <a:spcAft>
+                          <a:spcPts val="0"/>
+                        </a:spcAft>
+                        <a:buNone/>
+                      </a:pPr>
+                      <a:r>
+                        <a:rPr lang="en"/>
+                        <a:t>Status</a:t>
+                      </a:r>
+                      <a:endParaRPr/>
+                    </a:p>
+                  </a:txBody>
+                  <a:tcPr marL="91425" marR="91425" marT="91425" marB="91425"/>
+                </a:tc>
+                <a:tc>
+                  <a:txBody>
+                    <a:bodyPr/>
+                    <a:lstStyle/>
+                    <a:p>
+                      <a:pPr marL="0" lvl="0" indent="0" algn="l" rtl="0">
+                        <a:spcBef>
+                          <a:spcPts val="0"/>
+                        </a:spcBef>
+                        <a:spcAft>
+                          <a:spcPts val="0"/>
+                        </a:spcAft>
+                        <a:buNone/>
+                      </a:pPr>
+                      <a:r>
+                        <a:rPr lang="en"/>
+                        <a:t>To-do list</a:t>
+                      </a:r>
+                      <a:endParaRPr/>
+                    </a:p>
+                  </a:txBody>
+                  <a:tcPr marL="91425" marR="91425" marT="91425" marB="91425"/>
+                </a:tc>
+                <a:extLst>
+                  <a:ext uri="{0D108BD9-81ED-4DB2-BD59-A6C34878D82A}">
+                    <a16:rowId xmlns:a16="http://schemas.microsoft.com/office/drawing/2014/main" val="10000"/>
+                  </a:ext>
+                </a:extLst>
+              </a:tr>
+              <a:tr h="673026">
+                <a:tc>
+                  <a:txBody>
+                    <a:bodyPr/>
+                    <a:lstStyle/>
+                    <a:p>
+                      <a:pPr marL="0" marR="0" lvl="0" indent="0" algn="l" defTabSz="914400" rtl="0" eaLnBrk="1" fontAlgn="auto" latinLnBrk="0" hangingPunct="1">
+                        <a:lnSpc>
+                          <a:spcPct val="100000"/>
+                        </a:lnSpc>
+                        <a:spcBef>
+                          <a:spcPts val="0"/>
+                        </a:spcBef>
+                        <a:spcAft>
+                          <a:spcPts val="0"/>
+                        </a:spcAft>
+                        <a:buClr>
+                          <a:srgbClr val="000000"/>
+                        </a:buClr>
+                        <a:buSzTx/>
+                        <a:buFont typeface="Arial"/>
+                        <a:buNone/>
+                        <a:tabLst/>
+                        <a:defRPr/>
+                      </a:pPr>
+                      <a:r>
+                        <a:rPr lang="en-US" dirty="0"/>
+                        <a:t>1.Solve one data science project and submit to Kaggle.</a:t>
+                      </a:r>
+                    </a:p>
+                    <a:p>
+                      <a:pPr marL="0" lvl="0" indent="0" algn="l" rtl="0">
+                        <a:spcBef>
+                          <a:spcPts val="0"/>
+                        </a:spcBef>
+                        <a:spcAft>
+                          <a:spcPts val="0"/>
+                        </a:spcAft>
+                        <a:buNone/>
+                      </a:pPr>
+                      <a:endParaRPr dirty="0"/>
+                    </a:p>
+                  </a:txBody>
+                  <a:tcPr marL="91425" marR="91425" marT="91425" marB="91425"/>
+                </a:tc>
+                <a:tc>
+                  <a:txBody>
+                    <a:bodyPr/>
+                    <a:lstStyle/>
+                    <a:p>
+                      <a:pPr marL="0" lvl="0" indent="0" algn="l" rtl="0">
+                        <a:spcBef>
+                          <a:spcPts val="0"/>
+                        </a:spcBef>
+                        <a:spcAft>
+                          <a:spcPts val="0"/>
+                        </a:spcAft>
+                        <a:buNone/>
+                      </a:pPr>
+                      <a:r>
+                        <a:rPr lang="en-US" dirty="0"/>
+                        <a:t>18-10-2023</a:t>
+                      </a:r>
+                      <a:endParaRPr dirty="0"/>
+                    </a:p>
+                  </a:txBody>
+                  <a:tcPr marL="91425" marR="91425" marT="91425" marB="91425"/>
+                </a:tc>
+                <a:tc>
+                  <a:txBody>
+                    <a:bodyPr/>
+                    <a:lstStyle/>
+                    <a:p>
+                      <a:pPr marL="0" lvl="0" indent="0" algn="l" rtl="0">
+                        <a:spcBef>
+                          <a:spcPts val="0"/>
+                        </a:spcBef>
+                        <a:spcAft>
+                          <a:spcPts val="0"/>
+                        </a:spcAft>
+                        <a:buNone/>
+                      </a:pPr>
+                      <a:r>
+                        <a:rPr lang="en-US" dirty="0"/>
+                        <a:t>Done.</a:t>
+                      </a:r>
+                      <a:endParaRPr dirty="0"/>
+                    </a:p>
+                  </a:txBody>
+                  <a:tcPr marL="91425" marR="91425" marT="91425" marB="91425"/>
+                </a:tc>
+                <a:tc>
+                  <a:txBody>
+                    <a:bodyPr/>
+                    <a:lstStyle/>
+                    <a:p>
+                      <a:pPr marL="342900" lvl="0" indent="-342900" algn="l" rtl="0">
+                        <a:spcBef>
+                          <a:spcPts val="0"/>
+                        </a:spcBef>
+                        <a:spcAft>
+                          <a:spcPts val="0"/>
+                        </a:spcAft>
+                        <a:buAutoNum type="arabicPeriod"/>
+                      </a:pPr>
+                      <a:r>
+                        <a:rPr lang="en-US" dirty="0"/>
+                        <a:t>Home office</a:t>
+                      </a:r>
+                    </a:p>
+                    <a:p>
+                      <a:pPr marL="342900" lvl="0" indent="-342900" algn="l" rtl="0">
+                        <a:spcBef>
+                          <a:spcPts val="0"/>
+                        </a:spcBef>
+                        <a:spcAft>
+                          <a:spcPts val="0"/>
+                        </a:spcAft>
+                        <a:buAutoNum type="arabicPeriod"/>
+                      </a:pPr>
+                      <a:r>
+                        <a:rPr lang="en-US" dirty="0"/>
+                        <a:t>Check all files for our progress.</a:t>
+                      </a:r>
+                      <a:endParaRPr dirty="0"/>
+                    </a:p>
+                  </a:txBody>
+                  <a:tcPr marL="91425" marR="91425" marT="91425" marB="91425"/>
+                </a:tc>
+                <a:extLst>
+                  <a:ext uri="{0D108BD9-81ED-4DB2-BD59-A6C34878D82A}">
+                    <a16:rowId xmlns:a16="http://schemas.microsoft.com/office/drawing/2014/main" val="10001"/>
+                  </a:ext>
+                </a:extLst>
+              </a:tr>
+              <a:tr h="0">
+                <a:tc>
+                  <a:txBody>
+                    <a:bodyPr/>
+                    <a:lstStyle/>
+                    <a:p>
+                      <a:pPr marL="342900" lvl="0" indent="-342900" algn="l" rtl="0">
+                        <a:spcBef>
+                          <a:spcPts val="0"/>
+                        </a:spcBef>
+                        <a:spcAft>
+                          <a:spcPts val="0"/>
+                        </a:spcAft>
+                        <a:buAutoNum type="arabicPeriod"/>
+                      </a:pPr>
+                      <a:r>
+                        <a:rPr lang="en-US" dirty="0"/>
+                        <a:t>Check all files what we have done.</a:t>
+                      </a:r>
+                    </a:p>
+                    <a:p>
+                      <a:pPr marL="342900" lvl="0" indent="-342900" algn="l" rtl="0">
+                        <a:spcBef>
+                          <a:spcPts val="0"/>
+                        </a:spcBef>
+                        <a:spcAft>
+                          <a:spcPts val="0"/>
+                        </a:spcAft>
+                        <a:buAutoNum type="arabicPeriod"/>
+                      </a:pPr>
+                      <a:r>
+                        <a:rPr lang="en-US" dirty="0"/>
+                        <a:t>Board Bazar- Indoor Substation-1-Load(with G)</a:t>
+                      </a:r>
+                    </a:p>
+                    <a:p>
+                      <a:pPr marL="0" lvl="0" indent="0" algn="l" rtl="0">
+                        <a:spcBef>
+                          <a:spcPts val="0"/>
+                        </a:spcBef>
+                        <a:spcAft>
+                          <a:spcPts val="0"/>
+                        </a:spcAft>
+                        <a:buNone/>
+                      </a:pPr>
+                      <a:endParaRPr dirty="0"/>
+                    </a:p>
+                  </a:txBody>
+                  <a:tcPr marL="91425" marR="91425" marT="91425" marB="91425"/>
+                </a:tc>
+                <a:tc>
+                  <a:txBody>
+                    <a:bodyPr/>
+                    <a:lstStyle/>
+                    <a:p>
+                      <a:pPr marL="0" lvl="0" indent="0" algn="l" rtl="0">
+                        <a:spcBef>
+                          <a:spcPts val="0"/>
+                        </a:spcBef>
+                        <a:spcAft>
+                          <a:spcPts val="0"/>
+                        </a:spcAft>
+                        <a:buNone/>
+                      </a:pPr>
+                      <a:r>
+                        <a:rPr lang="en-US" dirty="0"/>
+                        <a:t>19-10-2023</a:t>
+                      </a:r>
+                      <a:endParaRPr dirty="0"/>
+                    </a:p>
+                  </a:txBody>
+                  <a:tcPr marL="91425" marR="91425" marT="91425" marB="91425"/>
+                </a:tc>
+                <a:tc>
+                  <a:txBody>
+                    <a:bodyPr/>
+                    <a:lstStyle/>
+                    <a:p>
+                      <a:pPr marL="0" lvl="0" indent="0" algn="l" rtl="0">
+                        <a:spcBef>
+                          <a:spcPts val="0"/>
+                        </a:spcBef>
+                        <a:spcAft>
+                          <a:spcPts val="0"/>
+                        </a:spcAft>
+                        <a:buNone/>
+                      </a:pPr>
+                      <a:r>
+                        <a:rPr lang="en-US" dirty="0"/>
+                        <a:t>Done.</a:t>
+                      </a:r>
+                      <a:endParaRPr dirty="0"/>
+                    </a:p>
+                  </a:txBody>
+                  <a:tcPr marL="91425" marR="91425" marT="91425" marB="91425"/>
+                </a:tc>
+                <a:tc>
+                  <a:txBody>
+                    <a:bodyPr/>
+                    <a:lstStyle/>
+                    <a:p>
+                      <a:pPr marL="342900" lvl="0" indent="-342900" algn="l" rtl="0">
+                        <a:spcBef>
+                          <a:spcPts val="0"/>
+                        </a:spcBef>
+                        <a:spcAft>
+                          <a:spcPts val="0"/>
+                        </a:spcAft>
+                        <a:buAutoNum type="arabicPeriod"/>
+                      </a:pPr>
+                      <a:r>
+                        <a:rPr lang="en-US" dirty="0"/>
+                        <a:t>New files add on website need to be cleaned.</a:t>
+                      </a:r>
+                    </a:p>
+                    <a:p>
+                      <a:pPr marL="342900" lvl="0" indent="-342900" algn="l" rtl="0">
+                        <a:spcBef>
+                          <a:spcPts val="0"/>
+                        </a:spcBef>
+                        <a:spcAft>
+                          <a:spcPts val="0"/>
+                        </a:spcAft>
+                        <a:buAutoNum type="arabicPeriod"/>
+                      </a:pPr>
+                      <a:r>
+                        <a:rPr lang="en-US" dirty="0"/>
+                        <a:t>Generate graphs and need to find the problems of our cleaned data.</a:t>
+                      </a:r>
+                      <a:endParaRPr dirty="0"/>
+                    </a:p>
+                  </a:txBody>
+                  <a:tcPr marL="91425" marR="91425" marT="91425" marB="91425"/>
+                </a:tc>
+                <a:extLst>
+                  <a:ext uri="{0D108BD9-81ED-4DB2-BD59-A6C34878D82A}">
+                    <a16:rowId xmlns:a16="http://schemas.microsoft.com/office/drawing/2014/main" val="10002"/>
+                  </a:ext>
+                </a:extLst>
+              </a:tr>
+              <a:tr h="788995">
                 <a:tc>
                   <a:txBody>
                     <a:bodyPr/>
@@ -16151,14 +17038,14 @@
                     <a:bodyPr/>
                     <a:lstStyle/>
                     <a:p>
-                      <a:pPr marL="0" lvl="0" indent="0" algn="l" rtl="0">
+                      <a:pPr marL="342900" lvl="0" indent="-342900" algn="l" rtl="0">
                         <a:spcBef>
                           <a:spcPts val="0"/>
                         </a:spcBef>
                         <a:spcAft>
                           <a:spcPts val="0"/>
                         </a:spcAft>
-                        <a:buNone/>
+                        <a:buAutoNum type="arabicPeriod"/>
                       </a:pPr>
                       <a:endParaRPr dirty="0"/>
                     </a:p>
@@ -16171,20 +17058,20 @@
                   </a:ext>
                 </a:extLst>
               </a:tr>
-              <a:tr h="689648">
+              <a:tr h="715623">
                 <a:tc>
                   <a:txBody>
                     <a:bodyPr/>
                     <a:lstStyle/>
                     <a:p>
-                      <a:pPr marL="0" lvl="0" indent="0" algn="l" rtl="0">
+                      <a:pPr marL="342900" lvl="0" indent="-342900" algn="l" rtl="0">
                         <a:spcBef>
                           <a:spcPts val="0"/>
                         </a:spcBef>
                         <a:spcAft>
                           <a:spcPts val="0"/>
                         </a:spcAft>
-                        <a:buNone/>
+                        <a:buAutoNum type="arabicPeriod"/>
                       </a:pPr>
                       <a:endParaRPr dirty="0"/>
                     </a:p>
@@ -16234,14 +17121,14 @@
                     <a:bodyPr/>
                     <a:lstStyle/>
                     <a:p>
-                      <a:pPr marL="0" lvl="0" indent="0" algn="l" rtl="0">
+                      <a:pPr marL="342900" lvl="0" indent="-342900" algn="l" rtl="0">
                         <a:spcBef>
                           <a:spcPts val="0"/>
                         </a:spcBef>
                         <a:spcAft>
                           <a:spcPts val="0"/>
                         </a:spcAft>
-                        <a:buNone/>
+                        <a:buAutoNum type="arabicPeriod"/>
                       </a:pPr>
                       <a:endParaRPr dirty="0"/>
                     </a:p>
@@ -16261,7 +17148,72 @@
     </p:spTree>
     <p:extLst>
       <p:ext uri="{BB962C8B-B14F-4D97-AF65-F5344CB8AC3E}">
-        <p14:creationId xmlns:p14="http://schemas.microsoft.com/office/powerpoint/2010/main" val="3384162941"/>
+        <p14:creationId xmlns:p14="http://schemas.microsoft.com/office/powerpoint/2010/main" val="378076460"/>
+      </p:ext>
+    </p:extLst>
+  </p:cSld>
+  <p:clrMapOvr>
+    <a:masterClrMapping/>
+  </p:clrMapOvr>
+</p:sld>
+</file>
+
+<file path=ppt/slides/slide5.xml><?xml version="1.0" encoding="utf-8"?>
+<p:sld xmlns:a="http://schemas.openxmlformats.org/drawingml/2006/main" xmlns:r="http://schemas.openxmlformats.org/officeDocument/2006/relationships" xmlns:p="http://schemas.openxmlformats.org/presentationml/2006/main">
+  <p:cSld>
+    <p:spTree>
+      <p:nvGrpSpPr>
+        <p:cNvPr id="1" name=""/>
+        <p:cNvGrpSpPr/>
+        <p:nvPr/>
+      </p:nvGrpSpPr>
+      <p:grpSpPr>
+        <a:xfrm>
+          <a:off x="0" y="0"/>
+          <a:ext cx="0" cy="0"/>
+          <a:chOff x="0" y="0"/>
+          <a:chExt cx="0" cy="0"/>
+        </a:xfrm>
+      </p:grpSpPr>
+      <p:sp>
+        <p:nvSpPr>
+          <p:cNvPr id="2" name="TextBox 1">
+            <a:extLst>
+              <a:ext uri="{FF2B5EF4-FFF2-40B4-BE49-F238E27FC236}">
+                <a16:creationId xmlns:a16="http://schemas.microsoft.com/office/drawing/2014/main" id="{96D9D01F-FCCC-3B8B-6608-0468EFD405B5}"/>
+              </a:ext>
+            </a:extLst>
+          </p:cNvPr>
+          <p:cNvSpPr txBox="1"/>
+          <p:nvPr/>
+        </p:nvSpPr>
+        <p:spPr>
+          <a:xfrm>
+            <a:off x="4114983" y="2279362"/>
+            <a:ext cx="914033" cy="584775"/>
+          </a:xfrm>
+          <a:prstGeom prst="rect">
+            <a:avLst/>
+          </a:prstGeom>
+          <a:noFill/>
+        </p:spPr>
+        <p:txBody>
+          <a:bodyPr wrap="none" rtlCol="0">
+            <a:spAutoFit/>
+          </a:bodyPr>
+          <a:lstStyle/>
+          <a:p>
+            <a:r>
+              <a:rPr lang="en-US" sz="3200" dirty="0"/>
+              <a:t>End</a:t>
+            </a:r>
+          </a:p>
+        </p:txBody>
+      </p:sp>
+    </p:spTree>
+    <p:extLst>
+      <p:ext uri="{BB962C8B-B14F-4D97-AF65-F5344CB8AC3E}">
+        <p14:creationId xmlns:p14="http://schemas.microsoft.com/office/powerpoint/2010/main" val="950056892"/>
       </p:ext>
     </p:extLst>
   </p:cSld>
